--- a/DEV5371_HelidonDeepDiveCodeOne2018.pptx
+++ b/DEV5371_HelidonDeepDiveCodeOne2018.pptx
@@ -5,26 +5,28 @@
     <p:sldMasterId id="2147483648" r:id="rId1"/>
   </p:sldMasterIdLst>
   <p:notesMasterIdLst>
-    <p:notesMasterId r:id="rId11"/>
+    <p:notesMasterId r:id="rId13"/>
   </p:notesMasterIdLst>
   <p:handoutMasterIdLst>
-    <p:handoutMasterId r:id="rId12"/>
+    <p:handoutMasterId r:id="rId14"/>
   </p:handoutMasterIdLst>
   <p:sldIdLst>
     <p:sldId id="443" r:id="rId2"/>
     <p:sldId id="298" r:id="rId3"/>
     <p:sldId id="344" r:id="rId4"/>
-    <p:sldId id="311" r:id="rId5"/>
+    <p:sldId id="446" r:id="rId5"/>
     <p:sldId id="445" r:id="rId6"/>
     <p:sldId id="375" r:id="rId7"/>
-    <p:sldId id="439" r:id="rId8"/>
-    <p:sldId id="434" r:id="rId9"/>
+    <p:sldId id="429" r:id="rId8"/>
+    <p:sldId id="439" r:id="rId9"/>
     <p:sldId id="436" r:id="rId10"/>
+    <p:sldId id="434" r:id="rId11"/>
+    <p:sldId id="276" r:id="rId12"/>
   </p:sldIdLst>
   <p:sldSz cx="12188825" cy="6858000"/>
   <p:notesSz cx="6985000" cy="9283700"/>
   <p:custDataLst>
-    <p:tags r:id="rId13"/>
+    <p:tags r:id="rId15"/>
   </p:custDataLst>
   <p:defaultTextStyle>
     <a:defPPr>
@@ -129,12 +131,14 @@
             <p14:sldId id="443"/>
             <p14:sldId id="298"/>
             <p14:sldId id="344"/>
-            <p14:sldId id="311"/>
+            <p14:sldId id="446"/>
             <p14:sldId id="445"/>
             <p14:sldId id="375"/>
+            <p14:sldId id="429"/>
             <p14:sldId id="439"/>
+            <p14:sldId id="436"/>
             <p14:sldId id="434"/>
-            <p14:sldId id="436"/>
+            <p14:sldId id="276"/>
           </p14:sldIdLst>
         </p14:section>
       </p14:sectionLst>
@@ -278,7 +282,7 @@
           <a:p>
             <a:fld id="{1E821AA6-70BE-4FDE-A8DC-DB381A688FD8}" type="datetimeFigureOut">
               <a:rPr lang="en-US"/>
-              <a:t>10/16/18</a:t>
+              <a:t>10/17/18</a:t>
             </a:fld>
             <a:endParaRPr/>
           </a:p>
@@ -945,7 +949,7 @@
     </p:spTree>
     <p:extLst>
       <p:ext uri="{BB962C8B-B14F-4D97-AF65-F5344CB8AC3E}">
-        <p14:creationId xmlns:p14="http://schemas.microsoft.com/office/powerpoint/2010/main" val="3335401410"/>
+        <p14:creationId xmlns:p14="http://schemas.microsoft.com/office/powerpoint/2010/main" val="3072291812"/>
       </p:ext>
     </p:extLst>
   </p:cSld>
@@ -1124,6 +1128,115 @@
     <p:extLst>
       <p:ext uri="{BB962C8B-B14F-4D97-AF65-F5344CB8AC3E}">
         <p14:creationId xmlns:p14="http://schemas.microsoft.com/office/powerpoint/2010/main" val="379304792"/>
+      </p:ext>
+    </p:extLst>
+  </p:cSld>
+  <p:clrMapOvr>
+    <a:masterClrMapping/>
+  </p:clrMapOvr>
+</p:notes>
+</file>
+
+<file path=ppt/notesSlides/notesSlide6.xml><?xml version="1.0" encoding="utf-8"?>
+<p:notes xmlns:a="http://schemas.openxmlformats.org/drawingml/2006/main" xmlns:r="http://schemas.openxmlformats.org/officeDocument/2006/relationships" xmlns:p="http://schemas.openxmlformats.org/presentationml/2006/main" showMasterSp="0" showMasterPhAnim="0">
+  <p:cSld>
+    <p:spTree>
+      <p:nvGrpSpPr>
+        <p:cNvPr id="1" name="Shape 236"/>
+        <p:cNvGrpSpPr/>
+        <p:nvPr/>
+      </p:nvGrpSpPr>
+      <p:grpSpPr>
+        <a:xfrm>
+          <a:off x="0" y="0"/>
+          <a:ext cx="0" cy="0"/>
+          <a:chOff x="0" y="0"/>
+          <a:chExt cx="0" cy="0"/>
+        </a:xfrm>
+      </p:grpSpPr>
+      <p:sp>
+        <p:nvSpPr>
+          <p:cNvPr id="237" name="Google Shape;237;g43fd5f8bd1_0_0:notes"/>
+          <p:cNvSpPr>
+            <a:spLocks noGrp="1" noRot="1" noChangeAspect="1"/>
+          </p:cNvSpPr>
+          <p:nvPr>
+            <p:ph type="sldImg" idx="2"/>
+          </p:nvPr>
+        </p:nvSpPr>
+        <p:spPr>
+          <a:xfrm>
+            <a:off x="381000" y="685800"/>
+            <a:ext cx="6096000" cy="3429000"/>
+          </a:xfrm>
+          <a:custGeom>
+            <a:avLst/>
+            <a:gdLst/>
+            <a:ahLst/>
+            <a:cxnLst/>
+            <a:rect l="l" t="t" r="r" b="b"/>
+            <a:pathLst>
+              <a:path w="120000" h="120000" extrusionOk="0">
+                <a:moveTo>
+                  <a:pt x="0" y="0"/>
+                </a:moveTo>
+                <a:lnTo>
+                  <a:pt x="120000" y="0"/>
+                </a:lnTo>
+                <a:lnTo>
+                  <a:pt x="120000" y="120000"/>
+                </a:lnTo>
+                <a:lnTo>
+                  <a:pt x="0" y="120000"/>
+                </a:lnTo>
+                <a:close/>
+              </a:path>
+            </a:pathLst>
+          </a:custGeom>
+        </p:spPr>
+      </p:sp>
+      <p:sp>
+        <p:nvSpPr>
+          <p:cNvPr id="238" name="Google Shape;238;g43fd5f8bd1_0_0:notes"/>
+          <p:cNvSpPr txBox="1">
+            <a:spLocks noGrp="1"/>
+          </p:cNvSpPr>
+          <p:nvPr>
+            <p:ph type="body" idx="1"/>
+          </p:nvPr>
+        </p:nvSpPr>
+        <p:spPr>
+          <a:xfrm>
+            <a:off x="685800" y="4343400"/>
+            <a:ext cx="5486400" cy="4114800"/>
+          </a:xfrm>
+          <a:prstGeom prst="rect">
+            <a:avLst/>
+          </a:prstGeom>
+        </p:spPr>
+        <p:txBody>
+          <a:bodyPr spcFirstLastPara="1" wrap="square" lIns="91425" tIns="91425" rIns="91425" bIns="91425" anchor="t" anchorCtr="0">
+            <a:noAutofit/>
+          </a:bodyPr>
+          <a:lstStyle/>
+          <a:p>
+            <a:pPr marL="0" lvl="0" indent="0" algn="l" rtl="0">
+              <a:spcBef>
+                <a:spcPts val="0"/>
+              </a:spcBef>
+              <a:spcAft>
+                <a:spcPts val="0"/>
+              </a:spcAft>
+              <a:buNone/>
+            </a:pPr>
+            <a:endParaRPr/>
+          </a:p>
+        </p:txBody>
+      </p:sp>
+    </p:spTree>
+    <p:extLst>
+      <p:ext uri="{BB962C8B-B14F-4D97-AF65-F5344CB8AC3E}">
+        <p14:creationId xmlns:p14="http://schemas.microsoft.com/office/powerpoint/2010/main" val="2916154278"/>
       </p:ext>
     </p:extLst>
   </p:cSld>
@@ -1418,7 +1531,7 @@
           <a:p>
             <a:fld id="{4329B2BE-4A4F-2F47-89E0-C82D4B8807BB}" type="datetime1">
               <a:rPr lang="en-US" smtClean="0"/>
-              <a:t>10/16/18</a:t>
+              <a:t>10/17/18</a:t>
             </a:fld>
             <a:endParaRPr/>
           </a:p>
@@ -2038,7 +2151,7 @@
           <a:p>
             <a:fld id="{AF0B5C25-5445-A941-BC32-449447944B6C}" type="datetime1">
               <a:rPr lang="en-US" smtClean="0"/>
-              <a:t>10/16/18</a:t>
+              <a:t>10/17/18</a:t>
             </a:fld>
             <a:endParaRPr/>
           </a:p>
@@ -2448,7 +2561,7 @@
           <a:p>
             <a:fld id="{5E608C3D-7BC2-4543-B6D3-6C9DB5A42951}" type="datetime1">
               <a:rPr lang="en-US" smtClean="0"/>
-              <a:t>10/16/18</a:t>
+              <a:t>10/17/18</a:t>
             </a:fld>
             <a:endParaRPr/>
           </a:p>
@@ -2567,7 +2680,7 @@
           <a:p>
             <a:fld id="{9221A804-92A6-3844-A32C-A7EFE2C3C282}" type="datetime1">
               <a:rPr lang="en-US" smtClean="0"/>
-              <a:t>10/16/18</a:t>
+              <a:t>10/17/18</a:t>
             </a:fld>
             <a:endParaRPr/>
           </a:p>
@@ -2912,7 +3025,7 @@
           <a:p>
             <a:fld id="{A0C87292-9C06-6548-8A94-AFF5721527F2}" type="datetime1">
               <a:rPr lang="en-US" smtClean="0"/>
-              <a:t>10/16/18</a:t>
+              <a:t>10/17/18</a:t>
             </a:fld>
             <a:endParaRPr/>
           </a:p>
@@ -3134,7 +3247,7 @@
           <a:p>
             <a:fld id="{FF3958D6-F337-E74C-8A87-11B39A770D8B}" type="datetime1">
               <a:rPr lang="en-US" smtClean="0"/>
-              <a:t>10/16/18</a:t>
+              <a:t>10/17/18</a:t>
             </a:fld>
             <a:endParaRPr/>
           </a:p>
@@ -3504,7 +3617,7 @@
           <a:p>
             <a:fld id="{434304CB-FC83-6B4D-9867-4D0399924617}" type="datetime1">
               <a:rPr lang="en-US" smtClean="0"/>
-              <a:t>10/16/18</a:t>
+              <a:t>10/17/18</a:t>
             </a:fld>
             <a:endParaRPr/>
           </a:p>
@@ -3892,7 +4005,7 @@
           <a:p>
             <a:fld id="{5BC948AA-6676-F04E-B59A-9E2D3D013EFE}" type="datetime1">
               <a:rPr lang="en-US" smtClean="0"/>
-              <a:t>10/16/18</a:t>
+              <a:t>10/17/18</a:t>
             </a:fld>
             <a:endParaRPr/>
           </a:p>
@@ -4295,7 +4408,7 @@
           <a:p>
             <a:fld id="{8CFF23B5-725A-354C-A0E8-8F5B5B966BAD}" type="datetime1">
               <a:rPr lang="en-US" smtClean="0"/>
-              <a:t>10/16/18</a:t>
+              <a:t>10/17/18</a:t>
             </a:fld>
             <a:endParaRPr/>
           </a:p>
@@ -4647,7 +4760,7 @@
           <a:p>
             <a:fld id="{7FCC7DB6-198B-764A-919E-CD410F080E27}" type="datetime1">
               <a:rPr lang="en-US" smtClean="0"/>
-              <a:t>10/16/18</a:t>
+              <a:t>10/17/18</a:t>
             </a:fld>
             <a:endParaRPr/>
           </a:p>
@@ -5376,7 +5489,7 @@
           <a:p>
             <a:fld id="{65A2BD72-003A-5545-ACB2-3FC4A437F07C}" type="datetime1">
               <a:rPr lang="en-US" smtClean="0"/>
-              <a:t>10/16/18</a:t>
+              <a:t>10/17/18</a:t>
             </a:fld>
             <a:endParaRPr/>
           </a:p>
@@ -5702,7 +5815,7 @@
           <a:p>
             <a:fld id="{FD18074B-101C-6243-B2A5-2E584C1F498C}" type="datetime1">
               <a:rPr lang="en-US" smtClean="0"/>
-              <a:t>10/16/18</a:t>
+              <a:t>10/17/18</a:t>
             </a:fld>
             <a:endParaRPr/>
           </a:p>
@@ -6257,7 +6370,7 @@
           <a:p>
             <a:fld id="{39AB1D7B-6FEF-4942-A0FD-70FAB8C4D1E8}" type="datetime1">
               <a:rPr lang="en-US" smtClean="0"/>
-              <a:t>10/16/18</a:t>
+              <a:t>10/17/18</a:t>
             </a:fld>
             <a:endParaRPr/>
           </a:p>
@@ -6399,7 +6512,7 @@
           <a:p>
             <a:fld id="{793B2850-E8AF-8445-A9A1-05BF3CEEAABB}" type="datetime1">
               <a:rPr lang="en-US" smtClean="0"/>
-              <a:t>10/16/18</a:t>
+              <a:t>10/17/18</a:t>
             </a:fld>
             <a:endParaRPr/>
           </a:p>
@@ -6541,7 +6654,7 @@
           <a:p>
             <a:fld id="{3B514022-D3B3-B843-AB95-ECD6786B0945}" type="datetime1">
               <a:rPr lang="en-US" smtClean="0"/>
-              <a:t>10/16/18</a:t>
+              <a:t>10/17/18</a:t>
             </a:fld>
             <a:endParaRPr/>
           </a:p>
@@ -6761,7 +6874,7 @@
           <a:p>
             <a:fld id="{25121BC7-E4D0-B240-8083-0EF66FE0E1E7}" type="datetime1">
               <a:rPr lang="en-US" smtClean="0"/>
-              <a:t>10/16/18</a:t>
+              <a:t>10/17/18</a:t>
             </a:fld>
             <a:endParaRPr/>
           </a:p>
@@ -7048,7 +7161,7 @@
           <a:p>
             <a:fld id="{58AEA038-9B2D-2143-AC59-C313999AFCBF}" type="datetime1">
               <a:rPr lang="en-US" smtClean="0"/>
-              <a:t>10/16/18</a:t>
+              <a:t>10/17/18</a:t>
             </a:fld>
             <a:endParaRPr/>
           </a:p>
@@ -7321,7 +7434,7 @@
           <a:p>
             <a:fld id="{5CAE08B2-5BDE-8C46-9BAA-934B3714AAC5}" type="datetime1">
               <a:rPr lang="en-US" smtClean="0"/>
-              <a:t>10/16/18</a:t>
+              <a:t>10/17/18</a:t>
             </a:fld>
             <a:endParaRPr/>
           </a:p>
@@ -7600,7 +7713,7 @@
           <a:p>
             <a:fld id="{2CB2CDB0-1D1F-9740-A617-E751C9255D97}" type="datetime1">
               <a:rPr lang="en-US" smtClean="0"/>
-              <a:t>10/16/18</a:t>
+              <a:t>10/17/18</a:t>
             </a:fld>
             <a:endParaRPr/>
           </a:p>
@@ -7915,7 +8028,7 @@
           <a:p>
             <a:fld id="{90CA6F98-0770-B646-AAB1-A9D47ECB6FD2}" type="datetime1">
               <a:rPr lang="en-US" smtClean="0"/>
-              <a:t>10/16/18</a:t>
+              <a:t>10/17/18</a:t>
             </a:fld>
             <a:endParaRPr/>
           </a:p>
@@ -8403,7 +8516,7 @@
           <a:p>
             <a:fld id="{E2E36C09-AA5C-D84C-B1CE-56A43964D140}" type="datetime1">
               <a:rPr lang="en-US" smtClean="0"/>
-              <a:t>10/16/18</a:t>
+              <a:t>10/17/18</a:t>
             </a:fld>
             <a:endParaRPr/>
           </a:p>
@@ -8953,7 +9066,7 @@
           <a:p>
             <a:fld id="{54BE7967-43C5-1644-8A86-D7A5D1CE8C98}" type="datetime1">
               <a:rPr lang="en-US" smtClean="0"/>
-              <a:t>10/16/18</a:t>
+              <a:t>10/17/18</a:t>
             </a:fld>
             <a:endParaRPr/>
           </a:p>
@@ -9274,7 +9387,7 @@
           <a:p>
             <a:fld id="{DB924A38-5262-BE40-9A25-0C5E4EC622BB}" type="datetime1">
               <a:rPr lang="en-US" smtClean="0"/>
-              <a:t>10/16/18</a:t>
+              <a:t>10/17/18</a:t>
             </a:fld>
             <a:endParaRPr/>
           </a:p>
@@ -9754,7 +9867,7 @@
           <a:p>
             <a:fld id="{A8602262-E906-2247-B442-11D575DC02A0}" type="datetime1">
               <a:rPr lang="en-US" smtClean="0"/>
-              <a:t>10/16/18</a:t>
+              <a:t>10/17/18</a:t>
             </a:fld>
             <a:endParaRPr/>
           </a:p>
@@ -10052,7 +10165,7 @@
           <a:p>
             <a:fld id="{B83339F1-67C7-D64E-8A31-E2A22E214630}" type="datetime1">
               <a:rPr lang="en-US" smtClean="0"/>
-              <a:t>10/16/18</a:t>
+              <a:t>10/17/18</a:t>
             </a:fld>
             <a:endParaRPr/>
           </a:p>
@@ -10436,7 +10549,7 @@
           <a:p>
             <a:fld id="{5CE5B03A-364F-3E4B-B036-4CA91514DFEC}" type="datetime1">
               <a:rPr lang="en-US" smtClean="0"/>
-              <a:t>10/16/18</a:t>
+              <a:t>10/17/18</a:t>
             </a:fld>
             <a:endParaRPr/>
           </a:p>
@@ -11132,7 +11245,7 @@
           <a:p>
             <a:fld id="{74106169-C278-7548-A3B7-CA56E5089737}" type="datetime1">
               <a:rPr lang="en-US" smtClean="0"/>
-              <a:t>10/16/18</a:t>
+              <a:t>10/17/18</a:t>
             </a:fld>
             <a:endParaRPr/>
           </a:p>
@@ -11369,7 +11482,7 @@
           <a:p>
             <a:fld id="{23E8C3B4-BFEB-8D42-95CF-7AB2E553F62A}" type="datetime1">
               <a:rPr lang="en-US" smtClean="0"/>
-              <a:t>10/16/18</a:t>
+              <a:t>10/17/18</a:t>
             </a:fld>
             <a:endParaRPr/>
           </a:p>
@@ -11569,7 +11682,7 @@
           <a:p>
             <a:fld id="{ED56D454-33A3-3B47-A799-8B4BEDECCB9E}" type="datetime1">
               <a:rPr lang="en-US" smtClean="0"/>
-              <a:t>10/16/18</a:t>
+              <a:t>10/17/18</a:t>
             </a:fld>
             <a:endParaRPr/>
           </a:p>
@@ -11799,7 +11912,7 @@
           <a:p>
             <a:fld id="{A8E927AB-5593-4D4E-81BC-3EA8D420D409}" type="datetime1">
               <a:rPr lang="en-US" smtClean="0"/>
-              <a:t>10/16/18</a:t>
+              <a:t>10/17/18</a:t>
             </a:fld>
             <a:endParaRPr/>
           </a:p>
@@ -12578,7 +12691,7 @@
           <a:p>
             <a:fld id="{ACC6103E-8F8F-ED45-A807-E91B65996D5A}" type="datetime1">
               <a:rPr lang="en-US" smtClean="0"/>
-              <a:t>10/16/18</a:t>
+              <a:t>10/17/18</a:t>
             </a:fld>
             <a:endParaRPr/>
           </a:p>
@@ -12802,7 +12915,7 @@
           <a:p>
             <a:fld id="{FE8663AD-FCCD-964E-9FC1-C3858D0525F9}" type="datetime1">
               <a:rPr lang="en-US" smtClean="0"/>
-              <a:t>10/16/18</a:t>
+              <a:t>10/17/18</a:t>
             </a:fld>
             <a:endParaRPr/>
           </a:p>
@@ -13483,7 +13596,7 @@
           <a:p>
             <a:fld id="{A4EDF6E3-BBB3-8E43-9818-EAE2BE7C3A07}" type="datetime1">
               <a:rPr lang="en-US" smtClean="0"/>
-              <a:t>10/16/18</a:t>
+              <a:t>10/17/18</a:t>
             </a:fld>
             <a:endParaRPr/>
           </a:p>
@@ -13869,7 +13982,7 @@
             <a:fld id="{DB0592DB-01ED-A44A-830D-2A57CD1AF06B}" type="datetime1">
               <a:rPr lang="en-US" smtClean="0"/>
               <a:pPr/>
-              <a:t>10/16/18</a:t>
+              <a:t>10/17/18</a:t>
             </a:fld>
             <a:endParaRPr lang="en-US" dirty="0"/>
           </a:p>
@@ -14272,7 +14385,7 @@
           <a:p>
             <a:fld id="{139F7C01-7F90-5641-BB5C-5E6D1CA790E7}" type="datetime1">
               <a:rPr lang="en-US" smtClean="0"/>
-              <a:t>10/16/18</a:t>
+              <a:t>10/17/18</a:t>
             </a:fld>
             <a:endParaRPr/>
           </a:p>
@@ -14944,7 +15057,7 @@
           <a:p>
             <a:fld id="{EAAF57FF-EB6C-B248-8C98-FA23CD63DB45}" type="datetime1">
               <a:rPr lang="en-US" smtClean="0"/>
-              <a:t>10/16/18</a:t>
+              <a:t>10/17/18</a:t>
             </a:fld>
             <a:endParaRPr/>
           </a:p>
@@ -15144,7 +15257,7 @@
           <a:p>
             <a:fld id="{C873C450-46F0-2A43-84A8-DCCA66DE557C}" type="datetime1">
               <a:rPr lang="en-US" smtClean="0"/>
-              <a:t>10/16/18</a:t>
+              <a:t>10/17/18</a:t>
             </a:fld>
             <a:endParaRPr/>
           </a:p>
@@ -15364,7 +15477,7 @@
           <a:p>
             <a:fld id="{48D75A7B-C368-1B4B-A3A4-B7B4FD26FDB0}" type="datetime1">
               <a:rPr lang="en-US" smtClean="0"/>
-              <a:t>10/16/18</a:t>
+              <a:t>10/17/18</a:t>
             </a:fld>
             <a:endParaRPr/>
           </a:p>
@@ -15763,7 +15876,7 @@
           <a:p>
             <a:fld id="{256A782E-6B8C-174C-991A-EC80C342D223}" type="datetime1">
               <a:rPr lang="en-US" smtClean="0"/>
-              <a:t>10/16/18</a:t>
+              <a:t>10/17/18</a:t>
             </a:fld>
             <a:endParaRPr/>
           </a:p>
@@ -16190,7 +16303,7 @@
           <a:p>
             <a:fld id="{EA7B7F3D-B4C1-6B49-B2C1-78BA7AA9323F}" type="datetime1">
               <a:rPr lang="en-US" smtClean="0"/>
-              <a:t>10/16/18</a:t>
+              <a:t>10/17/18</a:t>
             </a:fld>
             <a:endParaRPr lang="en-US"/>
           </a:p>
@@ -16941,6 +17054,471 @@
 </p:sld>
 </file>
 
+<file path=ppt/slides/slide10.xml><?xml version="1.0" encoding="utf-8"?>
+<p:sld xmlns:a="http://schemas.openxmlformats.org/drawingml/2006/main" xmlns:r="http://schemas.openxmlformats.org/officeDocument/2006/relationships" xmlns:p="http://schemas.openxmlformats.org/presentationml/2006/main">
+  <p:cSld>
+    <p:bg>
+      <p:bgPr>
+        <a:blipFill dpi="0" rotWithShape="1">
+          <a:blip r:embed="rId2">
+            <a:lum/>
+          </a:blip>
+          <a:srcRect/>
+          <a:stretch>
+            <a:fillRect/>
+          </a:stretch>
+        </a:blipFill>
+        <a:effectLst/>
+      </p:bgPr>
+    </p:bg>
+    <p:spTree>
+      <p:nvGrpSpPr>
+        <p:cNvPr id="1" name=""/>
+        <p:cNvGrpSpPr/>
+        <p:nvPr/>
+      </p:nvGrpSpPr>
+      <p:grpSpPr>
+        <a:xfrm>
+          <a:off x="0" y="0"/>
+          <a:ext cx="0" cy="0"/>
+          <a:chOff x="0" y="0"/>
+          <a:chExt cx="0" cy="0"/>
+        </a:xfrm>
+      </p:grpSpPr>
+      <p:sp>
+        <p:nvSpPr>
+          <p:cNvPr id="5" name="Slide Number Placeholder 4">
+            <a:extLst>
+              <a:ext uri="{FF2B5EF4-FFF2-40B4-BE49-F238E27FC236}">
+                <a16:creationId xmlns:a16="http://schemas.microsoft.com/office/drawing/2014/main" id="{00A2D70A-2995-824D-B4C8-4513A54B260C}"/>
+              </a:ext>
+            </a:extLst>
+          </p:cNvPr>
+          <p:cNvSpPr>
+            <a:spLocks noGrp="1"/>
+          </p:cNvSpPr>
+          <p:nvPr>
+            <p:ph type="sldNum" idx="12"/>
+          </p:nvPr>
+        </p:nvSpPr>
+        <p:spPr/>
+        <p:txBody>
+          <a:bodyPr/>
+          <a:lstStyle/>
+          <a:p>
+            <a:fld id="{00000000-1234-1234-1234-123412341234}" type="slidenum">
+              <a:rPr lang="ru" smtClean="0"/>
+              <a:pPr/>
+              <a:t>10</a:t>
+            </a:fld>
+            <a:endParaRPr lang="ru"/>
+          </a:p>
+        </p:txBody>
+      </p:sp>
+      <p:sp>
+        <p:nvSpPr>
+          <p:cNvPr id="9" name="TextBox 8">
+            <a:extLst>
+              <a:ext uri="{FF2B5EF4-FFF2-40B4-BE49-F238E27FC236}">
+                <a16:creationId xmlns:a16="http://schemas.microsoft.com/office/drawing/2014/main" id="{D8434FD6-1018-1545-90CF-3DFCB8288CD0}"/>
+              </a:ext>
+            </a:extLst>
+          </p:cNvPr>
+          <p:cNvSpPr txBox="1"/>
+          <p:nvPr/>
+        </p:nvSpPr>
+        <p:spPr>
+          <a:xfrm>
+            <a:off x="3167419" y="364699"/>
+            <a:ext cx="5471614" cy="711200"/>
+          </a:xfrm>
+          <a:prstGeom prst="rect">
+            <a:avLst/>
+          </a:prstGeom>
+          <a:noFill/>
+        </p:spPr>
+        <p:txBody>
+          <a:bodyPr wrap="none" lIns="0" tIns="0" rIns="0" bIns="0" rtlCol="0">
+            <a:noAutofit/>
+          </a:bodyPr>
+          <a:lstStyle/>
+          <a:p>
+            <a:pPr>
+              <a:lnSpc>
+                <a:spcPct val="90000"/>
+              </a:lnSpc>
+            </a:pPr>
+            <a:r>
+              <a:rPr lang="en-US" sz="7200" b="1" dirty="0"/>
+              <a:t>Dive into Code</a:t>
+            </a:r>
+          </a:p>
+        </p:txBody>
+      </p:sp>
+      <p:sp>
+        <p:nvSpPr>
+          <p:cNvPr id="4" name="TextBox 3">
+            <a:extLst>
+              <a:ext uri="{FF2B5EF4-FFF2-40B4-BE49-F238E27FC236}">
+                <a16:creationId xmlns:a16="http://schemas.microsoft.com/office/drawing/2014/main" id="{2F76988B-91EC-0449-8C87-12F7D85010C6}"/>
+              </a:ext>
+            </a:extLst>
+          </p:cNvPr>
+          <p:cNvSpPr txBox="1"/>
+          <p:nvPr/>
+        </p:nvSpPr>
+        <p:spPr>
+          <a:xfrm>
+            <a:off x="648413" y="1528549"/>
+            <a:ext cx="10246566" cy="4230805"/>
+          </a:xfrm>
+          <a:prstGeom prst="rect">
+            <a:avLst/>
+          </a:prstGeom>
+          <a:noFill/>
+        </p:spPr>
+        <p:txBody>
+          <a:bodyPr wrap="square" lIns="0" tIns="0" rIns="0" bIns="0" rtlCol="0">
+            <a:noAutofit/>
+          </a:bodyPr>
+          <a:lstStyle/>
+          <a:p>
+            <a:pPr marL="285750" indent="-285750">
+              <a:lnSpc>
+                <a:spcPct val="90000"/>
+              </a:lnSpc>
+              <a:buFont typeface="Arial" panose="020B0604020202020204" pitchFamily="34" charset="0"/>
+              <a:buChar char="•"/>
+            </a:pPr>
+            <a:r>
+              <a:rPr lang="en-US" sz="3200" dirty="0"/>
+              <a:t>https://</a:t>
+            </a:r>
+            <a:r>
+              <a:rPr lang="en-US" sz="3200" dirty="0" err="1"/>
+              <a:t>github.com</a:t>
+            </a:r>
+            <a:r>
+              <a:rPr lang="en-US" sz="3200" dirty="0"/>
+              <a:t>/</a:t>
+            </a:r>
+            <a:r>
+              <a:rPr lang="en-US" sz="3200" dirty="0" err="1"/>
+              <a:t>barchetta</a:t>
+            </a:r>
+            <a:r>
+              <a:rPr lang="en-US" sz="3200" dirty="0"/>
+              <a:t>/helidon-se-codeone-2018</a:t>
+            </a:r>
+          </a:p>
+          <a:p>
+            <a:pPr marL="285750" indent="-285750">
+              <a:lnSpc>
+                <a:spcPct val="90000"/>
+              </a:lnSpc>
+              <a:buFont typeface="Arial" panose="020B0604020202020204" pitchFamily="34" charset="0"/>
+              <a:buChar char="•"/>
+            </a:pPr>
+            <a:r>
+              <a:rPr lang="en-US" sz="3200" dirty="0"/>
+              <a:t>Server config and startup</a:t>
+            </a:r>
+          </a:p>
+          <a:p>
+            <a:pPr marL="285750" indent="-285750">
+              <a:lnSpc>
+                <a:spcPct val="90000"/>
+              </a:lnSpc>
+              <a:buFont typeface="Arial" panose="020B0604020202020204" pitchFamily="34" charset="0"/>
+              <a:buChar char="•"/>
+            </a:pPr>
+            <a:r>
+              <a:rPr lang="en-US" sz="3200" dirty="0"/>
+              <a:t>Routing</a:t>
+            </a:r>
+          </a:p>
+          <a:p>
+            <a:pPr marL="285750" indent="-285750">
+              <a:lnSpc>
+                <a:spcPct val="90000"/>
+              </a:lnSpc>
+              <a:buFont typeface="Arial" panose="020B0604020202020204" pitchFamily="34" charset="0"/>
+              <a:buChar char="•"/>
+            </a:pPr>
+            <a:r>
+              <a:rPr lang="en-US" sz="3200" dirty="0"/>
+              <a:t>JSON handling: requests, response, </a:t>
+            </a:r>
+            <a:r>
+              <a:rPr lang="en-US" sz="3200" dirty="0" err="1"/>
+              <a:t>async</a:t>
+            </a:r>
+            <a:endParaRPr lang="en-US" sz="3200" dirty="0"/>
+          </a:p>
+          <a:p>
+            <a:pPr marL="285750" indent="-285750">
+              <a:lnSpc>
+                <a:spcPct val="90000"/>
+              </a:lnSpc>
+              <a:buFont typeface="Arial" panose="020B0604020202020204" pitchFamily="34" charset="0"/>
+              <a:buChar char="•"/>
+            </a:pPr>
+            <a:r>
+              <a:rPr lang="en-US" sz="3200" dirty="0"/>
+              <a:t>Metrics</a:t>
+            </a:r>
+          </a:p>
+          <a:p>
+            <a:pPr marL="285750" indent="-285750">
+              <a:lnSpc>
+                <a:spcPct val="90000"/>
+              </a:lnSpc>
+              <a:buFont typeface="Arial" panose="020B0604020202020204" pitchFamily="34" charset="0"/>
+              <a:buChar char="•"/>
+            </a:pPr>
+            <a:r>
+              <a:rPr lang="en-US" sz="3200" dirty="0"/>
+              <a:t>Tracing</a:t>
+            </a:r>
+          </a:p>
+          <a:p>
+            <a:pPr marL="285750" indent="-285750">
+              <a:lnSpc>
+                <a:spcPct val="90000"/>
+              </a:lnSpc>
+              <a:buFont typeface="Arial" panose="020B0604020202020204" pitchFamily="34" charset="0"/>
+              <a:buChar char="•"/>
+            </a:pPr>
+            <a:r>
+              <a:rPr lang="en-US" sz="3200" dirty="0"/>
+              <a:t>Security</a:t>
+            </a:r>
+          </a:p>
+          <a:p>
+            <a:pPr marL="285750" indent="-285750">
+              <a:lnSpc>
+                <a:spcPct val="90000"/>
+              </a:lnSpc>
+              <a:buFont typeface="Arial" panose="020B0604020202020204" pitchFamily="34" charset="0"/>
+              <a:buChar char="•"/>
+            </a:pPr>
+            <a:r>
+              <a:rPr lang="en-US" sz="3200" dirty="0"/>
+              <a:t>Large payload (streaming)</a:t>
+            </a:r>
+          </a:p>
+          <a:p>
+            <a:pPr>
+              <a:lnSpc>
+                <a:spcPct val="90000"/>
+              </a:lnSpc>
+            </a:pPr>
+            <a:endParaRPr lang="en-US" sz="3200" dirty="0"/>
+          </a:p>
+        </p:txBody>
+      </p:sp>
+    </p:spTree>
+    <p:extLst>
+      <p:ext uri="{BB962C8B-B14F-4D97-AF65-F5344CB8AC3E}">
+        <p14:creationId xmlns:p14="http://schemas.microsoft.com/office/powerpoint/2010/main" val="420089387"/>
+      </p:ext>
+    </p:extLst>
+  </p:cSld>
+  <p:clrMapOvr>
+    <a:masterClrMapping/>
+  </p:clrMapOvr>
+  <mc:AlternateContent xmlns:mc="http://schemas.openxmlformats.org/markup-compatibility/2006" xmlns:p14="http://schemas.microsoft.com/office/powerpoint/2010/main">
+    <mc:Choice Requires="p14">
+      <p:transition spd="med" p14:dur="700">
+        <p:fade/>
+      </p:transition>
+    </mc:Choice>
+    <mc:Fallback xmlns="">
+      <p:transition spd="med">
+        <p:fade/>
+      </p:transition>
+    </mc:Fallback>
+  </mc:AlternateContent>
+</p:sld>
+</file>
+
+<file path=ppt/slides/slide11.xml><?xml version="1.0" encoding="utf-8"?>
+<p:sld xmlns:a="http://schemas.openxmlformats.org/drawingml/2006/main" xmlns:r="http://schemas.openxmlformats.org/officeDocument/2006/relationships" xmlns:p="http://schemas.openxmlformats.org/presentationml/2006/main">
+  <p:cSld>
+    <p:bg>
+      <p:bgPr>
+        <a:solidFill>
+          <a:srgbClr val="B1FDE1"/>
+        </a:solidFill>
+        <a:effectLst/>
+      </p:bgPr>
+    </p:bg>
+    <p:spTree>
+      <p:nvGrpSpPr>
+        <p:cNvPr id="1" name="Shape 239"/>
+        <p:cNvGrpSpPr/>
+        <p:nvPr/>
+      </p:nvGrpSpPr>
+      <p:grpSpPr>
+        <a:xfrm>
+          <a:off x="0" y="0"/>
+          <a:ext cx="0" cy="0"/>
+          <a:chOff x="0" y="0"/>
+          <a:chExt cx="0" cy="0"/>
+        </a:xfrm>
+      </p:grpSpPr>
+      <p:pic>
+        <p:nvPicPr>
+          <p:cNvPr id="240" name="Google Shape;240;p33"/>
+          <p:cNvPicPr preferRelativeResize="0"/>
+          <p:nvPr/>
+        </p:nvPicPr>
+        <p:blipFill>
+          <a:blip r:embed="rId3">
+            <a:alphaModFix/>
+          </a:blip>
+          <a:stretch>
+            <a:fillRect/>
+          </a:stretch>
+        </p:blipFill>
+        <p:spPr>
+          <a:xfrm>
+            <a:off x="180613" y="182238"/>
+            <a:ext cx="5908902" cy="5908902"/>
+          </a:xfrm>
+          <a:prstGeom prst="rect">
+            <a:avLst/>
+          </a:prstGeom>
+          <a:noFill/>
+          <a:ln>
+            <a:noFill/>
+          </a:ln>
+        </p:spPr>
+      </p:pic>
+      <p:sp>
+        <p:nvSpPr>
+          <p:cNvPr id="241" name="Google Shape;241;p33"/>
+          <p:cNvSpPr txBox="1"/>
+          <p:nvPr/>
+        </p:nvSpPr>
+        <p:spPr>
+          <a:xfrm>
+            <a:off x="7237248" y="2405266"/>
+            <a:ext cx="2988821" cy="1268470"/>
+          </a:xfrm>
+          <a:prstGeom prst="rect">
+            <a:avLst/>
+          </a:prstGeom>
+          <a:noFill/>
+          <a:ln>
+            <a:noFill/>
+          </a:ln>
+        </p:spPr>
+        <p:txBody>
+          <a:bodyPr spcFirstLastPara="1" wrap="square" lIns="121868" tIns="121868" rIns="121868" bIns="121868" anchor="t" anchorCtr="0">
+            <a:noAutofit/>
+          </a:bodyPr>
+          <a:lstStyle/>
+          <a:p>
+            <a:r>
+              <a:rPr lang="ru" sz="7998" b="1">
+                <a:solidFill>
+                  <a:srgbClr val="41A7FF"/>
+                </a:solidFill>
+                <a:latin typeface="Roboto"/>
+                <a:ea typeface="Roboto"/>
+                <a:cs typeface="Roboto"/>
+                <a:sym typeface="Roboto"/>
+              </a:rPr>
+              <a:t>Q &amp; A</a:t>
+            </a:r>
+            <a:endParaRPr sz="7998" b="1">
+              <a:solidFill>
+                <a:srgbClr val="41A7FF"/>
+              </a:solidFill>
+              <a:latin typeface="Roboto"/>
+              <a:ea typeface="Roboto"/>
+              <a:cs typeface="Roboto"/>
+              <a:sym typeface="Roboto"/>
+            </a:endParaRPr>
+          </a:p>
+        </p:txBody>
+      </p:sp>
+      <p:sp>
+        <p:nvSpPr>
+          <p:cNvPr id="242" name="Google Shape;242;p33"/>
+          <p:cNvSpPr txBox="1"/>
+          <p:nvPr/>
+        </p:nvSpPr>
+        <p:spPr>
+          <a:xfrm>
+            <a:off x="5217707" y="6402992"/>
+            <a:ext cx="6866611" cy="310719"/>
+          </a:xfrm>
+          <a:prstGeom prst="rect">
+            <a:avLst/>
+          </a:prstGeom>
+          <a:noFill/>
+          <a:ln>
+            <a:noFill/>
+          </a:ln>
+        </p:spPr>
+        <p:txBody>
+          <a:bodyPr spcFirstLastPara="1" wrap="square" lIns="121868" tIns="121868" rIns="121868" bIns="121868" anchor="t" anchorCtr="0">
+            <a:noAutofit/>
+          </a:bodyPr>
+          <a:lstStyle/>
+          <a:p>
+            <a:pPr algn="ctr"/>
+            <a:r>
+              <a:rPr lang="ru" sz="1066">
+                <a:solidFill>
+                  <a:srgbClr val="2399FF"/>
+                </a:solidFill>
+                <a:latin typeface="Roboto"/>
+                <a:ea typeface="Roboto"/>
+                <a:cs typeface="Roboto"/>
+                <a:sym typeface="Roboto"/>
+              </a:rPr>
+              <a:t>Copyright © 2018 Oracle. All rights reserved.</a:t>
+            </a:r>
+            <a:endParaRPr sz="1066">
+              <a:solidFill>
+                <a:srgbClr val="2399FF"/>
+              </a:solidFill>
+              <a:latin typeface="Roboto"/>
+              <a:ea typeface="Roboto"/>
+              <a:cs typeface="Roboto"/>
+              <a:sym typeface="Roboto"/>
+            </a:endParaRPr>
+          </a:p>
+        </p:txBody>
+      </p:sp>
+    </p:spTree>
+    <p:extLst>
+      <p:ext uri="{BB962C8B-B14F-4D97-AF65-F5344CB8AC3E}">
+        <p14:creationId xmlns:p14="http://schemas.microsoft.com/office/powerpoint/2010/main" val="3224652877"/>
+      </p:ext>
+    </p:extLst>
+  </p:cSld>
+  <p:clrMapOvr>
+    <a:masterClrMapping/>
+  </p:clrMapOvr>
+  <mc:AlternateContent xmlns:mc="http://schemas.openxmlformats.org/markup-compatibility/2006" xmlns:p14="http://schemas.microsoft.com/office/powerpoint/2010/main">
+    <mc:Choice Requires="p14">
+      <p:transition spd="med" p14:dur="700">
+        <p:fade/>
+      </p:transition>
+    </mc:Choice>
+    <mc:Fallback xmlns="">
+      <p:transition spd="med">
+        <p:fade/>
+      </p:transition>
+    </mc:Fallback>
+  </mc:AlternateContent>
+</p:sld>
+</file>
+
 <file path=ppt/slides/slide2.xml><?xml version="1.0" encoding="utf-8"?>
 <p:sld xmlns:a="http://schemas.openxmlformats.org/drawingml/2006/main" xmlns:r="http://schemas.openxmlformats.org/officeDocument/2006/relationships" xmlns:p="http://schemas.openxmlformats.org/presentationml/2006/main">
   <p:cSld>
@@ -17434,8 +18012,8 @@
         </p:blipFill>
         <p:spPr>
           <a:xfrm>
-            <a:off x="1132764" y="54591"/>
-            <a:ext cx="9773171" cy="2947321"/>
+            <a:off x="2023354" y="1084068"/>
+            <a:ext cx="7520709" cy="2268040"/>
           </a:xfrm>
           <a:prstGeom prst="rect">
             <a:avLst/>
@@ -17456,8 +18034,8 @@
         </p:nvSpPr>
         <p:spPr>
           <a:xfrm>
-            <a:off x="1501255" y="3001912"/>
-            <a:ext cx="12497106" cy="2308324"/>
+            <a:off x="763113" y="3352108"/>
+            <a:ext cx="12497106" cy="707886"/>
           </a:xfrm>
           <a:prstGeom prst="rect">
             <a:avLst/>
@@ -17470,7 +18048,7 @@
           <a:lstStyle/>
           <a:p>
             <a:r>
-              <a:rPr lang="en-US" sz="7200" dirty="0"/>
+              <a:rPr lang="en-US" sz="4000" dirty="0"/>
               <a:t>A set of Java libraries for developing microservices.</a:t>
             </a:r>
           </a:p>
@@ -17479,7 +18057,7 @@
     </p:spTree>
     <p:extLst>
       <p:ext uri="{BB962C8B-B14F-4D97-AF65-F5344CB8AC3E}">
-        <p14:creationId xmlns:p14="http://schemas.microsoft.com/office/powerpoint/2010/main" val="3133144106"/>
+        <p14:creationId xmlns:p14="http://schemas.microsoft.com/office/powerpoint/2010/main" val="540729063"/>
       </p:ext>
     </p:extLst>
   </p:cSld>
@@ -18368,8 +18946,8 @@
         </p:nvSpPr>
         <p:spPr>
           <a:xfrm>
-            <a:off x="3066878" y="2110117"/>
-            <a:ext cx="3718903" cy="535531"/>
+            <a:off x="3834524" y="2110117"/>
+            <a:ext cx="2183611" cy="535531"/>
           </a:xfrm>
           <a:prstGeom prst="rect">
             <a:avLst/>
@@ -18400,21 +18978,8 @@
                   <a:srgbClr val="FFFFFF"/>
                 </a:solidFill>
               </a:rPr>
-              <a:t> </a:t>
-            </a:r>
-            <a:r>
-              <a:rPr lang="en-US" sz="3200" b="1" dirty="0" err="1">
-                <a:solidFill>
-                  <a:srgbClr val="FFFFFF"/>
-                </a:solidFill>
-              </a:rPr>
-              <a:t>MicroProfile</a:t>
-            </a:r>
-            <a:endParaRPr lang="en-US" sz="3200" b="1" dirty="0">
-              <a:solidFill>
-                <a:srgbClr val="FFFFFF"/>
-              </a:solidFill>
-            </a:endParaRPr>
+              <a:t> MP</a:t>
+            </a:r>
           </a:p>
         </p:txBody>
       </p:sp>
@@ -18775,6 +19340,326 @@
       </p:grpSpPr>
       <p:sp>
         <p:nvSpPr>
+          <p:cNvPr id="2" name="Content Placeholder 1">
+            <a:extLst>
+              <a:ext uri="{FF2B5EF4-FFF2-40B4-BE49-F238E27FC236}">
+                <a16:creationId xmlns:a16="http://schemas.microsoft.com/office/drawing/2014/main" id="{AC88D504-0449-F448-A8A0-2F650ED3CAE8}"/>
+              </a:ext>
+            </a:extLst>
+          </p:cNvPr>
+          <p:cNvSpPr>
+            <a:spLocks noGrp="1"/>
+          </p:cNvSpPr>
+          <p:nvPr>
+            <p:ph sz="half" idx="1"/>
+          </p:nvPr>
+        </p:nvSpPr>
+        <p:spPr>
+          <a:xfrm>
+            <a:off x="531813" y="1524497"/>
+            <a:ext cx="3581915" cy="4418449"/>
+          </a:xfrm>
+        </p:spPr>
+        <p:txBody>
+          <a:bodyPr/>
+          <a:lstStyle/>
+          <a:p>
+            <a:pPr marL="0" indent="0">
+              <a:buNone/>
+            </a:pPr>
+            <a:r>
+              <a:rPr lang="en-US" b="1" dirty="0"/>
+              <a:t>Reactive </a:t>
+            </a:r>
+            <a:r>
+              <a:rPr lang="en-US" b="1" dirty="0" err="1"/>
+              <a:t>WebServer</a:t>
+            </a:r>
+            <a:endParaRPr lang="en-US" b="1" dirty="0"/>
+          </a:p>
+          <a:p>
+            <a:r>
+              <a:rPr lang="en-US" dirty="0"/>
+              <a:t>Simple functional routing model with reactive Flow API</a:t>
+            </a:r>
+          </a:p>
+          <a:p>
+            <a:r>
+              <a:rPr lang="en-US" dirty="0"/>
+              <a:t>Built on </a:t>
+            </a:r>
+            <a:r>
+              <a:rPr lang="en-US" dirty="0" err="1"/>
+              <a:t>Netty</a:t>
+            </a:r>
+            <a:endParaRPr lang="en-US" dirty="0"/>
+          </a:p>
+          <a:p>
+            <a:r>
+              <a:rPr lang="en-US" dirty="0" err="1"/>
+              <a:t>OpenTracing</a:t>
+            </a:r>
+            <a:r>
+              <a:rPr lang="en-US" dirty="0"/>
+              <a:t> and Metrics</a:t>
+            </a:r>
+          </a:p>
+          <a:p>
+            <a:r>
+              <a:rPr lang="en-US" dirty="0"/>
+              <a:t>JAX-RS, JSON-P support</a:t>
+            </a:r>
+          </a:p>
+          <a:p>
+            <a:r>
+              <a:rPr lang="en-US" dirty="0"/>
+              <a:t>Static content support</a:t>
+            </a:r>
+          </a:p>
+        </p:txBody>
+      </p:sp>
+      <p:sp>
+        <p:nvSpPr>
+          <p:cNvPr id="3" name="Content Placeholder 2">
+            <a:extLst>
+              <a:ext uri="{FF2B5EF4-FFF2-40B4-BE49-F238E27FC236}">
+                <a16:creationId xmlns:a16="http://schemas.microsoft.com/office/drawing/2014/main" id="{695F1C07-FB0B-5547-AF84-143D3B66E3B3}"/>
+              </a:ext>
+            </a:extLst>
+          </p:cNvPr>
+          <p:cNvSpPr>
+            <a:spLocks noGrp="1"/>
+          </p:cNvSpPr>
+          <p:nvPr>
+            <p:ph sz="half" idx="2"/>
+          </p:nvPr>
+        </p:nvSpPr>
+        <p:spPr/>
+        <p:txBody>
+          <a:bodyPr/>
+          <a:lstStyle/>
+          <a:p>
+            <a:pPr marL="0" indent="0">
+              <a:buNone/>
+            </a:pPr>
+            <a:r>
+              <a:rPr lang="en-US" b="1" dirty="0"/>
+              <a:t>Config</a:t>
+            </a:r>
+          </a:p>
+          <a:p>
+            <a:r>
+              <a:rPr lang="en-US" dirty="0"/>
+              <a:t>Flexible, typed config model</a:t>
+            </a:r>
+          </a:p>
+          <a:p>
+            <a:r>
+              <a:rPr lang="en-US" dirty="0"/>
+              <a:t>Multiple data sources</a:t>
+            </a:r>
+          </a:p>
+          <a:p>
+            <a:r>
+              <a:rPr lang="en-US" dirty="0"/>
+              <a:t>Hierarchical model</a:t>
+            </a:r>
+          </a:p>
+          <a:p>
+            <a:r>
+              <a:rPr lang="en-US" dirty="0"/>
+              <a:t>Dynamic updates</a:t>
+            </a:r>
+          </a:p>
+          <a:p>
+            <a:r>
+              <a:rPr lang="en-US" dirty="0"/>
+              <a:t>Extensible</a:t>
+            </a:r>
+          </a:p>
+          <a:p>
+            <a:pPr marL="0" indent="0">
+              <a:buNone/>
+            </a:pPr>
+            <a:endParaRPr lang="en-US" b="1" dirty="0"/>
+          </a:p>
+        </p:txBody>
+      </p:sp>
+      <p:sp>
+        <p:nvSpPr>
+          <p:cNvPr id="5" name="Slide Number Placeholder 4">
+            <a:extLst>
+              <a:ext uri="{FF2B5EF4-FFF2-40B4-BE49-F238E27FC236}">
+                <a16:creationId xmlns:a16="http://schemas.microsoft.com/office/drawing/2014/main" id="{191B5985-8E0F-3F43-B19A-525A3B186A54}"/>
+              </a:ext>
+            </a:extLst>
+          </p:cNvPr>
+          <p:cNvSpPr>
+            <a:spLocks noGrp="1"/>
+          </p:cNvSpPr>
+          <p:nvPr>
+            <p:ph type="sldNum" sz="quarter" idx="12"/>
+          </p:nvPr>
+        </p:nvSpPr>
+        <p:spPr/>
+        <p:txBody>
+          <a:bodyPr/>
+          <a:lstStyle/>
+          <a:p>
+            <a:fld id="{C51EAA63-D034-42AE-91FA-B13B9518C7BE}" type="slidenum">
+              <a:rPr lang="en-US" smtClean="0"/>
+              <a:t>7</a:t>
+            </a:fld>
+            <a:endParaRPr lang="en-US"/>
+          </a:p>
+        </p:txBody>
+      </p:sp>
+      <p:sp>
+        <p:nvSpPr>
+          <p:cNvPr id="6" name="Content Placeholder 5">
+            <a:extLst>
+              <a:ext uri="{FF2B5EF4-FFF2-40B4-BE49-F238E27FC236}">
+                <a16:creationId xmlns:a16="http://schemas.microsoft.com/office/drawing/2014/main" id="{26C1711D-10E3-0449-9887-963A018ABD81}"/>
+              </a:ext>
+            </a:extLst>
+          </p:cNvPr>
+          <p:cNvSpPr>
+            <a:spLocks noGrp="1"/>
+          </p:cNvSpPr>
+          <p:nvPr>
+            <p:ph sz="half" idx="13"/>
+          </p:nvPr>
+        </p:nvSpPr>
+        <p:spPr/>
+        <p:txBody>
+          <a:bodyPr/>
+          <a:lstStyle/>
+          <a:p>
+            <a:pPr marL="0" indent="0">
+              <a:buNone/>
+            </a:pPr>
+            <a:r>
+              <a:rPr lang="en-US" b="1" dirty="0"/>
+              <a:t>Security</a:t>
+            </a:r>
+          </a:p>
+          <a:p>
+            <a:r>
+              <a:rPr lang="en-US" dirty="0"/>
+              <a:t>Authentication</a:t>
+            </a:r>
+          </a:p>
+          <a:p>
+            <a:r>
+              <a:rPr lang="en-US" dirty="0"/>
+              <a:t>Authorization</a:t>
+            </a:r>
+          </a:p>
+          <a:p>
+            <a:r>
+              <a:rPr lang="en-US" dirty="0"/>
+              <a:t>Outbound Security</a:t>
+            </a:r>
+          </a:p>
+          <a:p>
+            <a:r>
+              <a:rPr lang="en-US" dirty="0"/>
+              <a:t>Auditing</a:t>
+            </a:r>
+          </a:p>
+          <a:p>
+            <a:r>
+              <a:rPr lang="en-US" dirty="0"/>
+              <a:t>Extensible</a:t>
+            </a:r>
+          </a:p>
+        </p:txBody>
+      </p:sp>
+      <p:sp>
+        <p:nvSpPr>
+          <p:cNvPr id="7" name="Title 6">
+            <a:extLst>
+              <a:ext uri="{FF2B5EF4-FFF2-40B4-BE49-F238E27FC236}">
+                <a16:creationId xmlns:a16="http://schemas.microsoft.com/office/drawing/2014/main" id="{0DD2F9A1-4020-1843-91DF-9D7022B1031E}"/>
+              </a:ext>
+            </a:extLst>
+          </p:cNvPr>
+          <p:cNvSpPr>
+            <a:spLocks noGrp="1"/>
+          </p:cNvSpPr>
+          <p:nvPr>
+            <p:ph type="title"/>
+          </p:nvPr>
+        </p:nvSpPr>
+        <p:spPr>
+          <a:xfrm>
+            <a:off x="531812" y="406400"/>
+            <a:ext cx="11125200" cy="684002"/>
+          </a:xfrm>
+        </p:spPr>
+        <p:txBody>
+          <a:bodyPr/>
+          <a:lstStyle/>
+          <a:p>
+            <a:r>
+              <a:rPr lang="en-US" dirty="0"/>
+              <a:t>What is </a:t>
+            </a:r>
+            <a:r>
+              <a:rPr lang="en-US" dirty="0" err="1"/>
+              <a:t>Helidon</a:t>
+            </a:r>
+            <a:r>
+              <a:rPr lang="en-US" dirty="0"/>
+              <a:t> SE?</a:t>
+            </a:r>
+          </a:p>
+        </p:txBody>
+      </p:sp>
+    </p:spTree>
+    <p:extLst>
+      <p:ext uri="{BB962C8B-B14F-4D97-AF65-F5344CB8AC3E}">
+        <p14:creationId xmlns:p14="http://schemas.microsoft.com/office/powerpoint/2010/main" val="3839264760"/>
+      </p:ext>
+    </p:extLst>
+  </p:cSld>
+  <p:clrMapOvr>
+    <a:masterClrMapping/>
+  </p:clrMapOvr>
+  <mc:AlternateContent xmlns:mc="http://schemas.openxmlformats.org/markup-compatibility/2006" xmlns:p14="http://schemas.microsoft.com/office/powerpoint/2010/main">
+    <mc:Choice Requires="p14">
+      <p:transition spd="med" p14:dur="700">
+        <p:fade/>
+      </p:transition>
+    </mc:Choice>
+    <mc:Fallback xmlns="">
+      <p:transition spd="med">
+        <p:fade/>
+      </p:transition>
+    </mc:Fallback>
+  </mc:AlternateContent>
+</p:sld>
+</file>
+
+<file path=ppt/slides/slide8.xml><?xml version="1.0" encoding="utf-8"?>
+<p:sld xmlns:a="http://schemas.openxmlformats.org/drawingml/2006/main" xmlns:r="http://schemas.openxmlformats.org/officeDocument/2006/relationships" xmlns:p="http://schemas.openxmlformats.org/presentationml/2006/main">
+  <p:cSld>
+    <p:spTree>
+      <p:nvGrpSpPr>
+        <p:cNvPr id="1" name=""/>
+        <p:cNvGrpSpPr/>
+        <p:nvPr/>
+      </p:nvGrpSpPr>
+      <p:grpSpPr>
+        <a:xfrm>
+          <a:off x="0" y="0"/>
+          <a:ext cx="0" cy="0"/>
+          <a:chOff x="0" y="0"/>
+          <a:chExt cx="0" cy="0"/>
+        </a:xfrm>
+      </p:grpSpPr>
+      <p:sp>
+        <p:nvSpPr>
           <p:cNvPr id="2" name="Title 1">
             <a:extLst>
               <a:ext uri="{FF2B5EF4-FFF2-40B4-BE49-F238E27FC236}">
@@ -18871,7 +19756,7 @@
           <a:p>
             <a:fld id="{C51EAA63-D034-42AE-91FA-B13B9518C7BE}" type="slidenum">
               <a:rPr lang="en-US" smtClean="0"/>
-              <a:t>7</a:t>
+              <a:t>8</a:t>
             </a:fld>
             <a:endParaRPr lang="en-US"/>
           </a:p>
@@ -19327,257 +20212,6 @@
     <p:extLst>
       <p:ext uri="{BB962C8B-B14F-4D97-AF65-F5344CB8AC3E}">
         <p14:creationId xmlns:p14="http://schemas.microsoft.com/office/powerpoint/2010/main" val="4165700207"/>
-      </p:ext>
-    </p:extLst>
-  </p:cSld>
-  <p:clrMapOvr>
-    <a:masterClrMapping/>
-  </p:clrMapOvr>
-  <mc:AlternateContent xmlns:mc="http://schemas.openxmlformats.org/markup-compatibility/2006" xmlns:p14="http://schemas.microsoft.com/office/powerpoint/2010/main">
-    <mc:Choice Requires="p14">
-      <p:transition spd="med" p14:dur="700">
-        <p:fade/>
-      </p:transition>
-    </mc:Choice>
-    <mc:Fallback xmlns="">
-      <p:transition spd="med">
-        <p:fade/>
-      </p:transition>
-    </mc:Fallback>
-  </mc:AlternateContent>
-</p:sld>
-</file>
-
-<file path=ppt/slides/slide8.xml><?xml version="1.0" encoding="utf-8"?>
-<p:sld xmlns:a="http://schemas.openxmlformats.org/drawingml/2006/main" xmlns:r="http://schemas.openxmlformats.org/officeDocument/2006/relationships" xmlns:p="http://schemas.openxmlformats.org/presentationml/2006/main">
-  <p:cSld>
-    <p:bg>
-      <p:bgPr>
-        <a:blipFill dpi="0" rotWithShape="1">
-          <a:blip r:embed="rId2">
-            <a:lum/>
-          </a:blip>
-          <a:srcRect/>
-          <a:stretch>
-            <a:fillRect/>
-          </a:stretch>
-        </a:blipFill>
-        <a:effectLst/>
-      </p:bgPr>
-    </p:bg>
-    <p:spTree>
-      <p:nvGrpSpPr>
-        <p:cNvPr id="1" name=""/>
-        <p:cNvGrpSpPr/>
-        <p:nvPr/>
-      </p:nvGrpSpPr>
-      <p:grpSpPr>
-        <a:xfrm>
-          <a:off x="0" y="0"/>
-          <a:ext cx="0" cy="0"/>
-          <a:chOff x="0" y="0"/>
-          <a:chExt cx="0" cy="0"/>
-        </a:xfrm>
-      </p:grpSpPr>
-      <p:sp>
-        <p:nvSpPr>
-          <p:cNvPr id="5" name="Slide Number Placeholder 4">
-            <a:extLst>
-              <a:ext uri="{FF2B5EF4-FFF2-40B4-BE49-F238E27FC236}">
-                <a16:creationId xmlns:a16="http://schemas.microsoft.com/office/drawing/2014/main" id="{00A2D70A-2995-824D-B4C8-4513A54B260C}"/>
-              </a:ext>
-            </a:extLst>
-          </p:cNvPr>
-          <p:cNvSpPr>
-            <a:spLocks noGrp="1"/>
-          </p:cNvSpPr>
-          <p:nvPr>
-            <p:ph type="sldNum" idx="12"/>
-          </p:nvPr>
-        </p:nvSpPr>
-        <p:spPr/>
-        <p:txBody>
-          <a:bodyPr/>
-          <a:lstStyle/>
-          <a:p>
-            <a:fld id="{00000000-1234-1234-1234-123412341234}" type="slidenum">
-              <a:rPr lang="ru" smtClean="0"/>
-              <a:pPr/>
-              <a:t>8</a:t>
-            </a:fld>
-            <a:endParaRPr lang="ru"/>
-          </a:p>
-        </p:txBody>
-      </p:sp>
-      <p:sp>
-        <p:nvSpPr>
-          <p:cNvPr id="9" name="TextBox 8">
-            <a:extLst>
-              <a:ext uri="{FF2B5EF4-FFF2-40B4-BE49-F238E27FC236}">
-                <a16:creationId xmlns:a16="http://schemas.microsoft.com/office/drawing/2014/main" id="{D8434FD6-1018-1545-90CF-3DFCB8288CD0}"/>
-              </a:ext>
-            </a:extLst>
-          </p:cNvPr>
-          <p:cNvSpPr txBox="1"/>
-          <p:nvPr/>
-        </p:nvSpPr>
-        <p:spPr>
-          <a:xfrm>
-            <a:off x="3167419" y="364699"/>
-            <a:ext cx="5471614" cy="711200"/>
-          </a:xfrm>
-          <a:prstGeom prst="rect">
-            <a:avLst/>
-          </a:prstGeom>
-          <a:noFill/>
-        </p:spPr>
-        <p:txBody>
-          <a:bodyPr wrap="none" lIns="0" tIns="0" rIns="0" bIns="0" rtlCol="0">
-            <a:noAutofit/>
-          </a:bodyPr>
-          <a:lstStyle/>
-          <a:p>
-            <a:pPr>
-              <a:lnSpc>
-                <a:spcPct val="90000"/>
-              </a:lnSpc>
-            </a:pPr>
-            <a:r>
-              <a:rPr lang="en-US" sz="7200" b="1" dirty="0"/>
-              <a:t>Dive into Code</a:t>
-            </a:r>
-          </a:p>
-        </p:txBody>
-      </p:sp>
-      <p:sp>
-        <p:nvSpPr>
-          <p:cNvPr id="4" name="TextBox 3">
-            <a:extLst>
-              <a:ext uri="{FF2B5EF4-FFF2-40B4-BE49-F238E27FC236}">
-                <a16:creationId xmlns:a16="http://schemas.microsoft.com/office/drawing/2014/main" id="{2F76988B-91EC-0449-8C87-12F7D85010C6}"/>
-              </a:ext>
-            </a:extLst>
-          </p:cNvPr>
-          <p:cNvSpPr txBox="1"/>
-          <p:nvPr/>
-        </p:nvSpPr>
-        <p:spPr>
-          <a:xfrm>
-            <a:off x="648413" y="1528549"/>
-            <a:ext cx="8413699" cy="4230805"/>
-          </a:xfrm>
-          <a:prstGeom prst="rect">
-            <a:avLst/>
-          </a:prstGeom>
-          <a:noFill/>
-        </p:spPr>
-        <p:txBody>
-          <a:bodyPr wrap="square" lIns="0" tIns="0" rIns="0" bIns="0" rtlCol="0">
-            <a:noAutofit/>
-          </a:bodyPr>
-          <a:lstStyle/>
-          <a:p>
-            <a:pPr marL="285750" indent="-285750">
-              <a:lnSpc>
-                <a:spcPct val="90000"/>
-              </a:lnSpc>
-              <a:buFont typeface="Arial" panose="020B0604020202020204" pitchFamily="34" charset="0"/>
-              <a:buChar char="•"/>
-            </a:pPr>
-            <a:r>
-              <a:rPr lang="en-US" sz="3600" dirty="0"/>
-              <a:t>Server config and startup</a:t>
-            </a:r>
-          </a:p>
-          <a:p>
-            <a:pPr marL="285750" indent="-285750">
-              <a:lnSpc>
-                <a:spcPct val="90000"/>
-              </a:lnSpc>
-              <a:buFont typeface="Arial" panose="020B0604020202020204" pitchFamily="34" charset="0"/>
-              <a:buChar char="•"/>
-            </a:pPr>
-            <a:r>
-              <a:rPr lang="en-US" sz="3600" dirty="0"/>
-              <a:t>Routing</a:t>
-            </a:r>
-          </a:p>
-          <a:p>
-            <a:pPr marL="285750" indent="-285750">
-              <a:lnSpc>
-                <a:spcPct val="90000"/>
-              </a:lnSpc>
-              <a:buFont typeface="Arial" panose="020B0604020202020204" pitchFamily="34" charset="0"/>
-              <a:buChar char="•"/>
-            </a:pPr>
-            <a:r>
-              <a:rPr lang="en-US" sz="3600" dirty="0"/>
-              <a:t>JSON handling: requests, response, </a:t>
-            </a:r>
-            <a:r>
-              <a:rPr lang="en-US" sz="3600" dirty="0" err="1"/>
-              <a:t>async</a:t>
-            </a:r>
-            <a:endParaRPr lang="en-US" sz="3600" dirty="0"/>
-          </a:p>
-          <a:p>
-            <a:pPr marL="285750" indent="-285750">
-              <a:lnSpc>
-                <a:spcPct val="90000"/>
-              </a:lnSpc>
-              <a:buFont typeface="Arial" panose="020B0604020202020204" pitchFamily="34" charset="0"/>
-              <a:buChar char="•"/>
-            </a:pPr>
-            <a:r>
-              <a:rPr lang="en-US" sz="3600" dirty="0"/>
-              <a:t>Metrics</a:t>
-            </a:r>
-          </a:p>
-          <a:p>
-            <a:pPr marL="285750" indent="-285750">
-              <a:lnSpc>
-                <a:spcPct val="90000"/>
-              </a:lnSpc>
-              <a:buFont typeface="Arial" panose="020B0604020202020204" pitchFamily="34" charset="0"/>
-              <a:buChar char="•"/>
-            </a:pPr>
-            <a:r>
-              <a:rPr lang="en-US" sz="3600" dirty="0"/>
-              <a:t>Tracing</a:t>
-            </a:r>
-          </a:p>
-          <a:p>
-            <a:pPr marL="285750" indent="-285750">
-              <a:lnSpc>
-                <a:spcPct val="90000"/>
-              </a:lnSpc>
-              <a:buFont typeface="Arial" panose="020B0604020202020204" pitchFamily="34" charset="0"/>
-              <a:buChar char="•"/>
-            </a:pPr>
-            <a:r>
-              <a:rPr lang="en-US" sz="3600" dirty="0"/>
-              <a:t>Security</a:t>
-            </a:r>
-          </a:p>
-          <a:p>
-            <a:pPr marL="285750" indent="-285750">
-              <a:lnSpc>
-                <a:spcPct val="90000"/>
-              </a:lnSpc>
-              <a:buFont typeface="Arial" panose="020B0604020202020204" pitchFamily="34" charset="0"/>
-              <a:buChar char="•"/>
-            </a:pPr>
-            <a:r>
-              <a:rPr lang="en-US" sz="3600" dirty="0"/>
-              <a:t>Large payload (streaming)</a:t>
-            </a:r>
-          </a:p>
-        </p:txBody>
-      </p:sp>
-    </p:spTree>
-    <p:extLst>
-      <p:ext uri="{BB962C8B-B14F-4D97-AF65-F5344CB8AC3E}">
-        <p14:creationId xmlns:p14="http://schemas.microsoft.com/office/powerpoint/2010/main" val="420089387"/>
       </p:ext>
     </p:extLst>
   </p:cSld>

--- a/DEV5371_HelidonDeepDiveCodeOne2018.pptx
+++ b/DEV5371_HelidonDeepDiveCodeOne2018.pptx
@@ -282,7 +282,7 @@
           <a:p>
             <a:fld id="{1E821AA6-70BE-4FDE-A8DC-DB381A688FD8}" type="datetimeFigureOut">
               <a:rPr lang="en-US"/>
-              <a:t>10/17/18</a:t>
+              <a:t>10/19/18</a:t>
             </a:fld>
             <a:endParaRPr/>
           </a:p>
@@ -1531,7 +1531,7 @@
           <a:p>
             <a:fld id="{4329B2BE-4A4F-2F47-89E0-C82D4B8807BB}" type="datetime1">
               <a:rPr lang="en-US" smtClean="0"/>
-              <a:t>10/17/18</a:t>
+              <a:t>10/19/18</a:t>
             </a:fld>
             <a:endParaRPr/>
           </a:p>
@@ -2151,7 +2151,7 @@
           <a:p>
             <a:fld id="{AF0B5C25-5445-A941-BC32-449447944B6C}" type="datetime1">
               <a:rPr lang="en-US" smtClean="0"/>
-              <a:t>10/17/18</a:t>
+              <a:t>10/19/18</a:t>
             </a:fld>
             <a:endParaRPr/>
           </a:p>
@@ -2561,7 +2561,7 @@
           <a:p>
             <a:fld id="{5E608C3D-7BC2-4543-B6D3-6C9DB5A42951}" type="datetime1">
               <a:rPr lang="en-US" smtClean="0"/>
-              <a:t>10/17/18</a:t>
+              <a:t>10/19/18</a:t>
             </a:fld>
             <a:endParaRPr/>
           </a:p>
@@ -2680,7 +2680,7 @@
           <a:p>
             <a:fld id="{9221A804-92A6-3844-A32C-A7EFE2C3C282}" type="datetime1">
               <a:rPr lang="en-US" smtClean="0"/>
-              <a:t>10/17/18</a:t>
+              <a:t>10/19/18</a:t>
             </a:fld>
             <a:endParaRPr/>
           </a:p>
@@ -3025,7 +3025,7 @@
           <a:p>
             <a:fld id="{A0C87292-9C06-6548-8A94-AFF5721527F2}" type="datetime1">
               <a:rPr lang="en-US" smtClean="0"/>
-              <a:t>10/17/18</a:t>
+              <a:t>10/19/18</a:t>
             </a:fld>
             <a:endParaRPr/>
           </a:p>
@@ -3247,7 +3247,7 @@
           <a:p>
             <a:fld id="{FF3958D6-F337-E74C-8A87-11B39A770D8B}" type="datetime1">
               <a:rPr lang="en-US" smtClean="0"/>
-              <a:t>10/17/18</a:t>
+              <a:t>10/19/18</a:t>
             </a:fld>
             <a:endParaRPr/>
           </a:p>
@@ -3617,7 +3617,7 @@
           <a:p>
             <a:fld id="{434304CB-FC83-6B4D-9867-4D0399924617}" type="datetime1">
               <a:rPr lang="en-US" smtClean="0"/>
-              <a:t>10/17/18</a:t>
+              <a:t>10/19/18</a:t>
             </a:fld>
             <a:endParaRPr/>
           </a:p>
@@ -4005,7 +4005,7 @@
           <a:p>
             <a:fld id="{5BC948AA-6676-F04E-B59A-9E2D3D013EFE}" type="datetime1">
               <a:rPr lang="en-US" smtClean="0"/>
-              <a:t>10/17/18</a:t>
+              <a:t>10/19/18</a:t>
             </a:fld>
             <a:endParaRPr/>
           </a:p>
@@ -4408,7 +4408,7 @@
           <a:p>
             <a:fld id="{8CFF23B5-725A-354C-A0E8-8F5B5B966BAD}" type="datetime1">
               <a:rPr lang="en-US" smtClean="0"/>
-              <a:t>10/17/18</a:t>
+              <a:t>10/19/18</a:t>
             </a:fld>
             <a:endParaRPr/>
           </a:p>
@@ -4760,7 +4760,7 @@
           <a:p>
             <a:fld id="{7FCC7DB6-198B-764A-919E-CD410F080E27}" type="datetime1">
               <a:rPr lang="en-US" smtClean="0"/>
-              <a:t>10/17/18</a:t>
+              <a:t>10/19/18</a:t>
             </a:fld>
             <a:endParaRPr/>
           </a:p>
@@ -5489,7 +5489,7 @@
           <a:p>
             <a:fld id="{65A2BD72-003A-5545-ACB2-3FC4A437F07C}" type="datetime1">
               <a:rPr lang="en-US" smtClean="0"/>
-              <a:t>10/17/18</a:t>
+              <a:t>10/19/18</a:t>
             </a:fld>
             <a:endParaRPr/>
           </a:p>
@@ -5815,7 +5815,7 @@
           <a:p>
             <a:fld id="{FD18074B-101C-6243-B2A5-2E584C1F498C}" type="datetime1">
               <a:rPr lang="en-US" smtClean="0"/>
-              <a:t>10/17/18</a:t>
+              <a:t>10/19/18</a:t>
             </a:fld>
             <a:endParaRPr/>
           </a:p>
@@ -6370,7 +6370,7 @@
           <a:p>
             <a:fld id="{39AB1D7B-6FEF-4942-A0FD-70FAB8C4D1E8}" type="datetime1">
               <a:rPr lang="en-US" smtClean="0"/>
-              <a:t>10/17/18</a:t>
+              <a:t>10/19/18</a:t>
             </a:fld>
             <a:endParaRPr/>
           </a:p>
@@ -6512,7 +6512,7 @@
           <a:p>
             <a:fld id="{793B2850-E8AF-8445-A9A1-05BF3CEEAABB}" type="datetime1">
               <a:rPr lang="en-US" smtClean="0"/>
-              <a:t>10/17/18</a:t>
+              <a:t>10/19/18</a:t>
             </a:fld>
             <a:endParaRPr/>
           </a:p>
@@ -6654,7 +6654,7 @@
           <a:p>
             <a:fld id="{3B514022-D3B3-B843-AB95-ECD6786B0945}" type="datetime1">
               <a:rPr lang="en-US" smtClean="0"/>
-              <a:t>10/17/18</a:t>
+              <a:t>10/19/18</a:t>
             </a:fld>
             <a:endParaRPr/>
           </a:p>
@@ -6874,7 +6874,7 @@
           <a:p>
             <a:fld id="{25121BC7-E4D0-B240-8083-0EF66FE0E1E7}" type="datetime1">
               <a:rPr lang="en-US" smtClean="0"/>
-              <a:t>10/17/18</a:t>
+              <a:t>10/19/18</a:t>
             </a:fld>
             <a:endParaRPr/>
           </a:p>
@@ -7161,7 +7161,7 @@
           <a:p>
             <a:fld id="{58AEA038-9B2D-2143-AC59-C313999AFCBF}" type="datetime1">
               <a:rPr lang="en-US" smtClean="0"/>
-              <a:t>10/17/18</a:t>
+              <a:t>10/19/18</a:t>
             </a:fld>
             <a:endParaRPr/>
           </a:p>
@@ -7434,7 +7434,7 @@
           <a:p>
             <a:fld id="{5CAE08B2-5BDE-8C46-9BAA-934B3714AAC5}" type="datetime1">
               <a:rPr lang="en-US" smtClean="0"/>
-              <a:t>10/17/18</a:t>
+              <a:t>10/19/18</a:t>
             </a:fld>
             <a:endParaRPr/>
           </a:p>
@@ -7713,7 +7713,7 @@
           <a:p>
             <a:fld id="{2CB2CDB0-1D1F-9740-A617-E751C9255D97}" type="datetime1">
               <a:rPr lang="en-US" smtClean="0"/>
-              <a:t>10/17/18</a:t>
+              <a:t>10/19/18</a:t>
             </a:fld>
             <a:endParaRPr/>
           </a:p>
@@ -8028,7 +8028,7 @@
           <a:p>
             <a:fld id="{90CA6F98-0770-B646-AAB1-A9D47ECB6FD2}" type="datetime1">
               <a:rPr lang="en-US" smtClean="0"/>
-              <a:t>10/17/18</a:t>
+              <a:t>10/19/18</a:t>
             </a:fld>
             <a:endParaRPr/>
           </a:p>
@@ -8516,7 +8516,7 @@
           <a:p>
             <a:fld id="{E2E36C09-AA5C-D84C-B1CE-56A43964D140}" type="datetime1">
               <a:rPr lang="en-US" smtClean="0"/>
-              <a:t>10/17/18</a:t>
+              <a:t>10/19/18</a:t>
             </a:fld>
             <a:endParaRPr/>
           </a:p>
@@ -9066,7 +9066,7 @@
           <a:p>
             <a:fld id="{54BE7967-43C5-1644-8A86-D7A5D1CE8C98}" type="datetime1">
               <a:rPr lang="en-US" smtClean="0"/>
-              <a:t>10/17/18</a:t>
+              <a:t>10/19/18</a:t>
             </a:fld>
             <a:endParaRPr/>
           </a:p>
@@ -9387,7 +9387,7 @@
           <a:p>
             <a:fld id="{DB924A38-5262-BE40-9A25-0C5E4EC622BB}" type="datetime1">
               <a:rPr lang="en-US" smtClean="0"/>
-              <a:t>10/17/18</a:t>
+              <a:t>10/19/18</a:t>
             </a:fld>
             <a:endParaRPr/>
           </a:p>
@@ -9867,7 +9867,7 @@
           <a:p>
             <a:fld id="{A8602262-E906-2247-B442-11D575DC02A0}" type="datetime1">
               <a:rPr lang="en-US" smtClean="0"/>
-              <a:t>10/17/18</a:t>
+              <a:t>10/19/18</a:t>
             </a:fld>
             <a:endParaRPr/>
           </a:p>
@@ -10165,7 +10165,7 @@
           <a:p>
             <a:fld id="{B83339F1-67C7-D64E-8A31-E2A22E214630}" type="datetime1">
               <a:rPr lang="en-US" smtClean="0"/>
-              <a:t>10/17/18</a:t>
+              <a:t>10/19/18</a:t>
             </a:fld>
             <a:endParaRPr/>
           </a:p>
@@ -10549,7 +10549,7 @@
           <a:p>
             <a:fld id="{5CE5B03A-364F-3E4B-B036-4CA91514DFEC}" type="datetime1">
               <a:rPr lang="en-US" smtClean="0"/>
-              <a:t>10/17/18</a:t>
+              <a:t>10/19/18</a:t>
             </a:fld>
             <a:endParaRPr/>
           </a:p>
@@ -11245,7 +11245,7 @@
           <a:p>
             <a:fld id="{74106169-C278-7548-A3B7-CA56E5089737}" type="datetime1">
               <a:rPr lang="en-US" smtClean="0"/>
-              <a:t>10/17/18</a:t>
+              <a:t>10/19/18</a:t>
             </a:fld>
             <a:endParaRPr/>
           </a:p>
@@ -11482,7 +11482,7 @@
           <a:p>
             <a:fld id="{23E8C3B4-BFEB-8D42-95CF-7AB2E553F62A}" type="datetime1">
               <a:rPr lang="en-US" smtClean="0"/>
-              <a:t>10/17/18</a:t>
+              <a:t>10/19/18</a:t>
             </a:fld>
             <a:endParaRPr/>
           </a:p>
@@ -11682,7 +11682,7 @@
           <a:p>
             <a:fld id="{ED56D454-33A3-3B47-A799-8B4BEDECCB9E}" type="datetime1">
               <a:rPr lang="en-US" smtClean="0"/>
-              <a:t>10/17/18</a:t>
+              <a:t>10/19/18</a:t>
             </a:fld>
             <a:endParaRPr/>
           </a:p>
@@ -11912,7 +11912,7 @@
           <a:p>
             <a:fld id="{A8E927AB-5593-4D4E-81BC-3EA8D420D409}" type="datetime1">
               <a:rPr lang="en-US" smtClean="0"/>
-              <a:t>10/17/18</a:t>
+              <a:t>10/19/18</a:t>
             </a:fld>
             <a:endParaRPr/>
           </a:p>
@@ -12691,7 +12691,7 @@
           <a:p>
             <a:fld id="{ACC6103E-8F8F-ED45-A807-E91B65996D5A}" type="datetime1">
               <a:rPr lang="en-US" smtClean="0"/>
-              <a:t>10/17/18</a:t>
+              <a:t>10/19/18</a:t>
             </a:fld>
             <a:endParaRPr/>
           </a:p>
@@ -12915,7 +12915,7 @@
           <a:p>
             <a:fld id="{FE8663AD-FCCD-964E-9FC1-C3858D0525F9}" type="datetime1">
               <a:rPr lang="en-US" smtClean="0"/>
-              <a:t>10/17/18</a:t>
+              <a:t>10/19/18</a:t>
             </a:fld>
             <a:endParaRPr/>
           </a:p>
@@ -13596,7 +13596,7 @@
           <a:p>
             <a:fld id="{A4EDF6E3-BBB3-8E43-9818-EAE2BE7C3A07}" type="datetime1">
               <a:rPr lang="en-US" smtClean="0"/>
-              <a:t>10/17/18</a:t>
+              <a:t>10/19/18</a:t>
             </a:fld>
             <a:endParaRPr/>
           </a:p>
@@ -13982,7 +13982,7 @@
             <a:fld id="{DB0592DB-01ED-A44A-830D-2A57CD1AF06B}" type="datetime1">
               <a:rPr lang="en-US" smtClean="0"/>
               <a:pPr/>
-              <a:t>10/17/18</a:t>
+              <a:t>10/19/18</a:t>
             </a:fld>
             <a:endParaRPr lang="en-US" dirty="0"/>
           </a:p>
@@ -14385,7 +14385,7 @@
           <a:p>
             <a:fld id="{139F7C01-7F90-5641-BB5C-5E6D1CA790E7}" type="datetime1">
               <a:rPr lang="en-US" smtClean="0"/>
-              <a:t>10/17/18</a:t>
+              <a:t>10/19/18</a:t>
             </a:fld>
             <a:endParaRPr/>
           </a:p>
@@ -15057,7 +15057,7 @@
           <a:p>
             <a:fld id="{EAAF57FF-EB6C-B248-8C98-FA23CD63DB45}" type="datetime1">
               <a:rPr lang="en-US" smtClean="0"/>
-              <a:t>10/17/18</a:t>
+              <a:t>10/19/18</a:t>
             </a:fld>
             <a:endParaRPr/>
           </a:p>
@@ -15257,7 +15257,7 @@
           <a:p>
             <a:fld id="{C873C450-46F0-2A43-84A8-DCCA66DE557C}" type="datetime1">
               <a:rPr lang="en-US" smtClean="0"/>
-              <a:t>10/17/18</a:t>
+              <a:t>10/19/18</a:t>
             </a:fld>
             <a:endParaRPr/>
           </a:p>
@@ -15477,7 +15477,7 @@
           <a:p>
             <a:fld id="{48D75A7B-C368-1B4B-A3A4-B7B4FD26FDB0}" type="datetime1">
               <a:rPr lang="en-US" smtClean="0"/>
-              <a:t>10/17/18</a:t>
+              <a:t>10/19/18</a:t>
             </a:fld>
             <a:endParaRPr/>
           </a:p>
@@ -15876,7 +15876,7 @@
           <a:p>
             <a:fld id="{256A782E-6B8C-174C-991A-EC80C342D223}" type="datetime1">
               <a:rPr lang="en-US" smtClean="0"/>
-              <a:t>10/17/18</a:t>
+              <a:t>10/19/18</a:t>
             </a:fld>
             <a:endParaRPr/>
           </a:p>
@@ -16303,7 +16303,7 @@
           <a:p>
             <a:fld id="{EA7B7F3D-B4C1-6B49-B2C1-78BA7AA9323F}" type="datetime1">
               <a:rPr lang="en-US" smtClean="0"/>
-              <a:t>10/17/18</a:t>
+              <a:t>10/19/18</a:t>
             </a:fld>
             <a:endParaRPr lang="en-US"/>
           </a:p>
